--- a/obhajoba_prezentace.pptx
+++ b/obhajoba_prezentace.pptx
@@ -109,6 +109,11 @@
       </a:defRPr>
     </a:lvl9pPr>
   </p:defaultTextStyle>
+  <p:extLst>
+    <p:ext uri="{EFAFB233-063F-42B5-8137-9DF3F51BA10A}">
+      <p15:sldGuideLst xmlns:p15="http://schemas.microsoft.com/office/powerpoint/2012/main"/>
+    </p:ext>
+  </p:extLst>
 </p:presentation>
 </file>
 
@@ -9276,12 +9281,28 @@
           <a:p>
             <a:pPr algn="l"/>
             <a:r>
-              <a:rPr lang="cs-CZ" sz="4800">
+              <a:rPr lang="cs-CZ" sz="4800" dirty="0">
                 <a:solidFill>
                   <a:srgbClr val="FFFFFF"/>
                 </a:solidFill>
               </a:rPr>
-              <a:t>Sémantický facetový vyhledávač na platformě React</a:t>
+              <a:t>Sémantické </a:t>
+            </a:r>
+            <a:r>
+              <a:rPr lang="cs-CZ" sz="4800" dirty="0" err="1">
+                <a:solidFill>
+                  <a:srgbClr val="FFFFFF"/>
+                </a:solidFill>
+              </a:rPr>
+              <a:t>facetové</a:t>
+            </a:r>
+            <a:r>
+              <a:rPr lang="cs-CZ" sz="4800" dirty="0">
+                <a:solidFill>
+                  <a:srgbClr val="FFFFFF"/>
+                </a:solidFill>
+              </a:rPr>
+              <a:t> vyhledávání na platformě React</a:t>
             </a:r>
           </a:p>
         </p:txBody>
